--- a/hw/hw-4/graph.pptx
+++ b/hw/hw-4/graph.pptx
@@ -104,6 +104,11 @@
       </a:defRPr>
     </a:lvl9pPr>
   </p:defaultTextStyle>
+  <p:extLst>
+    <p:ext uri="{EFAFB233-063F-42B5-8137-9DF3F51BA10A}">
+      <p15:sldGuideLst xmlns:p15="http://schemas.microsoft.com/office/powerpoint/2012/main"/>
+    </p:ext>
+  </p:extLst>
 </p:presentation>
 </file>
 
@@ -3321,8 +3326,8 @@
           <a:chExt cx="0" cy="0"/>
         </a:xfrm>
       </p:grpSpPr>
-      <mc:AlternateContent xmlns:mc="http://schemas.openxmlformats.org/markup-compatibility/2006">
-        <mc:Choice xmlns:a14="http://schemas.microsoft.com/office/drawing/2010/main" Requires="a14">
+      <mc:AlternateContent xmlns:mc="http://schemas.openxmlformats.org/markup-compatibility/2006" xmlns:a14="http://schemas.microsoft.com/office/drawing/2010/main">
+        <mc:Choice Requires="a14">
           <p:sp>
             <p:nvSpPr>
               <p:cNvPr id="4" name="矩形 3">
@@ -3528,7 +3533,7 @@
             </p:txBody>
           </p:sp>
         </mc:Choice>
-        <mc:Fallback>
+        <mc:Fallback xmlns="">
           <p:sp>
             <p:nvSpPr>
               <p:cNvPr id="4" name="矩形 3">
@@ -3578,8 +3583,8 @@
           </p:sp>
         </mc:Fallback>
       </mc:AlternateContent>
-      <mc:AlternateContent xmlns:mc="http://schemas.openxmlformats.org/markup-compatibility/2006">
-        <mc:Choice xmlns:a14="http://schemas.microsoft.com/office/drawing/2010/main" Requires="a14">
+      <mc:AlternateContent xmlns:mc="http://schemas.openxmlformats.org/markup-compatibility/2006" xmlns:a14="http://schemas.microsoft.com/office/drawing/2010/main">
+        <mc:Choice Requires="a14">
           <p:sp>
             <p:nvSpPr>
               <p:cNvPr id="5" name="矩形 4">
@@ -3624,6 +3629,7 @@
               <a:bodyPr rtlCol="0" anchor="ctr"/>
               <a:lstStyle/>
               <a:p>
+                <a:pPr/>
                 <a14:m>
                   <m:oMathPara xmlns:m="http://schemas.openxmlformats.org/officeDocument/2006/math">
                     <m:oMathParaPr>
@@ -3761,7 +3767,7 @@
             </p:txBody>
           </p:sp>
         </mc:Choice>
-        <mc:Fallback>
+        <mc:Fallback xmlns="">
           <p:sp>
             <p:nvSpPr>
               <p:cNvPr id="5" name="矩形 4">
@@ -3857,6 +3863,7 @@
               <a:bodyPr rtlCol="0" anchor="ctr"/>
               <a:lstStyle/>
               <a:p>
+                <a:pPr/>
                 <a14:m>
                   <m:oMathPara xmlns:m="http://schemas.openxmlformats.org/officeDocument/2006/math">
                     <m:oMathParaPr>
@@ -3975,8 +3982,8 @@
           </p:sp>
         </mc:Fallback>
       </mc:AlternateContent>
-      <mc:AlternateContent xmlns:mc="http://schemas.openxmlformats.org/markup-compatibility/2006">
-        <mc:Choice xmlns:a14="http://schemas.microsoft.com/office/drawing/2010/main" Requires="a14">
+      <mc:AlternateContent xmlns:mc="http://schemas.openxmlformats.org/markup-compatibility/2006" xmlns:a14="http://schemas.microsoft.com/office/drawing/2010/main">
+        <mc:Choice Requires="a14">
           <p:sp>
             <p:nvSpPr>
               <p:cNvPr id="9" name="矩形 8">
@@ -4021,6 +4028,7 @@
               <a:bodyPr rtlCol="0" anchor="ctr"/>
               <a:lstStyle/>
               <a:p>
+                <a:pPr/>
                 <a14:m>
                   <m:oMathPara xmlns:m="http://schemas.openxmlformats.org/officeDocument/2006/math">
                     <m:oMathParaPr>
@@ -4089,7 +4097,7 @@
             </p:txBody>
           </p:sp>
         </mc:Choice>
-        <mc:Fallback>
+        <mc:Fallback xmlns="">
           <p:sp>
             <p:nvSpPr>
               <p:cNvPr id="9" name="矩形 8">
@@ -4139,8 +4147,8 @@
           </p:sp>
         </mc:Fallback>
       </mc:AlternateContent>
-      <mc:AlternateContent xmlns:mc="http://schemas.openxmlformats.org/markup-compatibility/2006">
-        <mc:Choice xmlns:a14="http://schemas.microsoft.com/office/drawing/2010/main" Requires="a14">
+      <mc:AlternateContent xmlns:mc="http://schemas.openxmlformats.org/markup-compatibility/2006" xmlns:a14="http://schemas.microsoft.com/office/drawing/2010/main">
+        <mc:Choice Requires="a14">
           <p:sp>
             <p:nvSpPr>
               <p:cNvPr id="10" name="矩形 9">
@@ -4185,6 +4193,7 @@
               <a:bodyPr rtlCol="0" anchor="ctr"/>
               <a:lstStyle/>
               <a:p>
+                <a:pPr/>
                 <a14:m>
                   <m:oMathPara xmlns:m="http://schemas.openxmlformats.org/officeDocument/2006/math">
                     <m:oMathParaPr>
@@ -4322,7 +4331,7 @@
             </p:txBody>
           </p:sp>
         </mc:Choice>
-        <mc:Fallback>
+        <mc:Fallback xmlns="">
           <p:sp>
             <p:nvSpPr>
               <p:cNvPr id="10" name="矩形 9">
@@ -4418,6 +4427,7 @@
               <a:bodyPr rtlCol="0" anchor="ctr"/>
               <a:lstStyle/>
               <a:p>
+                <a:pPr/>
                 <a14:m>
                   <m:oMathPara xmlns:m="http://schemas.openxmlformats.org/officeDocument/2006/math">
                     <m:oMathParaPr>
@@ -4536,8 +4546,8 @@
           </p:sp>
         </mc:Fallback>
       </mc:AlternateContent>
-      <mc:AlternateContent xmlns:mc="http://schemas.openxmlformats.org/markup-compatibility/2006">
-        <mc:Choice xmlns:a14="http://schemas.microsoft.com/office/drawing/2010/main" Requires="a14">
+      <mc:AlternateContent xmlns:mc="http://schemas.openxmlformats.org/markup-compatibility/2006" xmlns:a14="http://schemas.microsoft.com/office/drawing/2010/main">
+        <mc:Choice Requires="a14">
           <p:sp>
             <p:nvSpPr>
               <p:cNvPr id="12" name="矩形 11">
@@ -4582,6 +4592,7 @@
               <a:bodyPr rtlCol="0" anchor="ctr"/>
               <a:lstStyle/>
               <a:p>
+                <a:pPr/>
                 <a14:m>
                   <m:oMathPara xmlns:m="http://schemas.openxmlformats.org/officeDocument/2006/math">
                     <m:oMathParaPr>
@@ -4650,7 +4661,7 @@
             </p:txBody>
           </p:sp>
         </mc:Choice>
-        <mc:Fallback>
+        <mc:Fallback xmlns="">
           <p:sp>
             <p:nvSpPr>
               <p:cNvPr id="12" name="矩形 11">
@@ -4700,8 +4711,8 @@
           </p:sp>
         </mc:Fallback>
       </mc:AlternateContent>
-      <mc:AlternateContent xmlns:mc="http://schemas.openxmlformats.org/markup-compatibility/2006">
-        <mc:Choice xmlns:a14="http://schemas.microsoft.com/office/drawing/2010/main" Requires="a14">
+      <mc:AlternateContent xmlns:mc="http://schemas.openxmlformats.org/markup-compatibility/2006" xmlns:a14="http://schemas.microsoft.com/office/drawing/2010/main">
+        <mc:Choice Requires="a14">
           <p:sp>
             <p:nvSpPr>
               <p:cNvPr id="13" name="矩形 12">
@@ -4746,6 +4757,7 @@
               <a:bodyPr rtlCol="0" anchor="ctr"/>
               <a:lstStyle/>
               <a:p>
+                <a:pPr/>
                 <a14:m>
                   <m:oMathPara xmlns:m="http://schemas.openxmlformats.org/officeDocument/2006/math">
                     <m:oMathParaPr>
@@ -4814,7 +4826,7 @@
             </p:txBody>
           </p:sp>
         </mc:Choice>
-        <mc:Fallback>
+        <mc:Fallback xmlns="">
           <p:sp>
             <p:nvSpPr>
               <p:cNvPr id="13" name="矩形 12">
@@ -5636,6 +5648,266 @@
               <a:latin typeface="Times New Roman" panose="02020603050405020304" pitchFamily="18" charset="0"/>
               <a:cs typeface="Times New Roman" panose="02020603050405020304" pitchFamily="18" charset="0"/>
             </a:endParaRPr>
+          </a:p>
+        </p:txBody>
+      </p:sp>
+      <p:sp>
+        <p:nvSpPr>
+          <p:cNvPr id="2" name="矩形 1">
+            <a:extLst>
+              <a:ext uri="{FF2B5EF4-FFF2-40B4-BE49-F238E27FC236}">
+                <a16:creationId xmlns:a16="http://schemas.microsoft.com/office/drawing/2014/main" id="{B9804E38-159B-4EE9-A93C-A848B4665818}"/>
+              </a:ext>
+            </a:extLst>
+          </p:cNvPr>
+          <p:cNvSpPr/>
+          <p:nvPr/>
+        </p:nvSpPr>
+        <p:spPr>
+          <a:xfrm>
+            <a:off x="3194102" y="297179"/>
+            <a:ext cx="1377898" cy="1883314"/>
+          </a:xfrm>
+          <a:prstGeom prst="rect">
+            <a:avLst/>
+          </a:prstGeom>
+          <a:noFill/>
+          <a:ln w="28575">
+            <a:solidFill>
+              <a:srgbClr val="FF0000"/>
+            </a:solidFill>
+          </a:ln>
+        </p:spPr>
+        <p:style>
+          <a:lnRef idx="2">
+            <a:schemeClr val="accent1">
+              <a:shade val="50000"/>
+            </a:schemeClr>
+          </a:lnRef>
+          <a:fillRef idx="1">
+            <a:schemeClr val="accent1"/>
+          </a:fillRef>
+          <a:effectRef idx="0">
+            <a:schemeClr val="accent1"/>
+          </a:effectRef>
+          <a:fontRef idx="minor">
+            <a:schemeClr val="lt1"/>
+          </a:fontRef>
+        </p:style>
+        <p:txBody>
+          <a:bodyPr rtlCol="0" anchor="ctr"/>
+          <a:lstStyle/>
+          <a:p>
+            <a:pPr algn="ctr"/>
+            <a:endParaRPr lang="zh-CN" altLang="en-US"/>
+          </a:p>
+        </p:txBody>
+      </p:sp>
+      <p:sp>
+        <p:nvSpPr>
+          <p:cNvPr id="29" name="矩形 28">
+            <a:extLst>
+              <a:ext uri="{FF2B5EF4-FFF2-40B4-BE49-F238E27FC236}">
+                <a16:creationId xmlns:a16="http://schemas.microsoft.com/office/drawing/2014/main" id="{A1B45613-C1EA-41D7-ACE9-F214C54BDD4B}"/>
+              </a:ext>
+            </a:extLst>
+          </p:cNvPr>
+          <p:cNvSpPr/>
+          <p:nvPr/>
+        </p:nvSpPr>
+        <p:spPr>
+          <a:xfrm>
+            <a:off x="3194102" y="2769595"/>
+            <a:ext cx="1377898" cy="884415"/>
+          </a:xfrm>
+          <a:prstGeom prst="rect">
+            <a:avLst/>
+          </a:prstGeom>
+          <a:noFill/>
+          <a:ln w="28575">
+            <a:solidFill>
+              <a:srgbClr val="FF0000"/>
+            </a:solidFill>
+          </a:ln>
+        </p:spPr>
+        <p:style>
+          <a:lnRef idx="2">
+            <a:schemeClr val="accent1">
+              <a:shade val="50000"/>
+            </a:schemeClr>
+          </a:lnRef>
+          <a:fillRef idx="1">
+            <a:schemeClr val="accent1"/>
+          </a:fillRef>
+          <a:effectRef idx="0">
+            <a:schemeClr val="accent1"/>
+          </a:effectRef>
+          <a:fontRef idx="minor">
+            <a:schemeClr val="lt1"/>
+          </a:fontRef>
+        </p:style>
+        <p:txBody>
+          <a:bodyPr rtlCol="0" anchor="ctr"/>
+          <a:lstStyle/>
+          <a:p>
+            <a:pPr algn="ctr"/>
+            <a:endParaRPr lang="zh-CN" altLang="en-US"/>
+          </a:p>
+        </p:txBody>
+      </p:sp>
+      <p:sp>
+        <p:nvSpPr>
+          <p:cNvPr id="30" name="矩形 29">
+            <a:extLst>
+              <a:ext uri="{FF2B5EF4-FFF2-40B4-BE49-F238E27FC236}">
+                <a16:creationId xmlns:a16="http://schemas.microsoft.com/office/drawing/2014/main" id="{FFAFBD08-CD0D-4D1C-96A9-900568036545}"/>
+              </a:ext>
+            </a:extLst>
+          </p:cNvPr>
+          <p:cNvSpPr/>
+          <p:nvPr/>
+        </p:nvSpPr>
+        <p:spPr>
+          <a:xfrm>
+            <a:off x="5470831" y="290472"/>
+            <a:ext cx="1250338" cy="994633"/>
+          </a:xfrm>
+          <a:prstGeom prst="rect">
+            <a:avLst/>
+          </a:prstGeom>
+          <a:noFill/>
+          <a:ln w="28575">
+            <a:solidFill>
+              <a:srgbClr val="FF0000"/>
+            </a:solidFill>
+          </a:ln>
+        </p:spPr>
+        <p:style>
+          <a:lnRef idx="2">
+            <a:schemeClr val="accent1">
+              <a:shade val="50000"/>
+            </a:schemeClr>
+          </a:lnRef>
+          <a:fillRef idx="1">
+            <a:schemeClr val="accent1"/>
+          </a:fillRef>
+          <a:effectRef idx="0">
+            <a:schemeClr val="accent1"/>
+          </a:effectRef>
+          <a:fontRef idx="minor">
+            <a:schemeClr val="lt1"/>
+          </a:fontRef>
+        </p:style>
+        <p:txBody>
+          <a:bodyPr rtlCol="0" anchor="ctr"/>
+          <a:lstStyle/>
+          <a:p>
+            <a:pPr algn="ctr"/>
+            <a:endParaRPr lang="zh-CN" altLang="en-US"/>
+          </a:p>
+        </p:txBody>
+      </p:sp>
+      <p:sp>
+        <p:nvSpPr>
+          <p:cNvPr id="31" name="矩形 30">
+            <a:extLst>
+              <a:ext uri="{FF2B5EF4-FFF2-40B4-BE49-F238E27FC236}">
+                <a16:creationId xmlns:a16="http://schemas.microsoft.com/office/drawing/2014/main" id="{AD58F2DE-0FFE-4178-8D99-FE96BC786FA9}"/>
+              </a:ext>
+            </a:extLst>
+          </p:cNvPr>
+          <p:cNvSpPr/>
+          <p:nvPr/>
+        </p:nvSpPr>
+        <p:spPr>
+          <a:xfrm>
+            <a:off x="7625531" y="4230740"/>
+            <a:ext cx="1250338" cy="856728"/>
+          </a:xfrm>
+          <a:prstGeom prst="rect">
+            <a:avLst/>
+          </a:prstGeom>
+          <a:noFill/>
+          <a:ln w="28575">
+            <a:solidFill>
+              <a:srgbClr val="FF0000"/>
+            </a:solidFill>
+          </a:ln>
+        </p:spPr>
+        <p:style>
+          <a:lnRef idx="2">
+            <a:schemeClr val="accent1">
+              <a:shade val="50000"/>
+            </a:schemeClr>
+          </a:lnRef>
+          <a:fillRef idx="1">
+            <a:schemeClr val="accent1"/>
+          </a:fillRef>
+          <a:effectRef idx="0">
+            <a:schemeClr val="accent1"/>
+          </a:effectRef>
+          <a:fontRef idx="minor">
+            <a:schemeClr val="lt1"/>
+          </a:fontRef>
+        </p:style>
+        <p:txBody>
+          <a:bodyPr rtlCol="0" anchor="ctr"/>
+          <a:lstStyle/>
+          <a:p>
+            <a:pPr algn="ctr"/>
+            <a:endParaRPr lang="zh-CN" altLang="en-US"/>
+          </a:p>
+        </p:txBody>
+      </p:sp>
+      <p:sp>
+        <p:nvSpPr>
+          <p:cNvPr id="33" name="矩形 32">
+            <a:extLst>
+              <a:ext uri="{FF2B5EF4-FFF2-40B4-BE49-F238E27FC236}">
+                <a16:creationId xmlns:a16="http://schemas.microsoft.com/office/drawing/2014/main" id="{52633392-AED1-446C-BFE9-D4B9DE3301CE}"/>
+              </a:ext>
+            </a:extLst>
+          </p:cNvPr>
+          <p:cNvSpPr/>
+          <p:nvPr/>
+        </p:nvSpPr>
+        <p:spPr>
+          <a:xfrm>
+            <a:off x="5477021" y="5684051"/>
+            <a:ext cx="1237958" cy="856728"/>
+          </a:xfrm>
+          <a:prstGeom prst="rect">
+            <a:avLst/>
+          </a:prstGeom>
+          <a:noFill/>
+          <a:ln w="28575">
+            <a:solidFill>
+              <a:srgbClr val="FF0000"/>
+            </a:solidFill>
+          </a:ln>
+        </p:spPr>
+        <p:style>
+          <a:lnRef idx="2">
+            <a:schemeClr val="accent1">
+              <a:shade val="50000"/>
+            </a:schemeClr>
+          </a:lnRef>
+          <a:fillRef idx="1">
+            <a:schemeClr val="accent1"/>
+          </a:fillRef>
+          <a:effectRef idx="0">
+            <a:schemeClr val="accent1"/>
+          </a:effectRef>
+          <a:fontRef idx="minor">
+            <a:schemeClr val="lt1"/>
+          </a:fontRef>
+        </p:style>
+        <p:txBody>
+          <a:bodyPr rtlCol="0" anchor="ctr"/>
+          <a:lstStyle/>
+          <a:p>
+            <a:pPr algn="ctr"/>
+            <a:endParaRPr lang="zh-CN" altLang="en-US"/>
           </a:p>
         </p:txBody>
       </p:sp>
